--- a/인터뷰 내용 정리 및 이후 발전계획.pptx
+++ b/인터뷰 내용 정리 및 이후 발전계획.pptx
@@ -4842,7 +4842,28 @@
                 <a:latin typeface="Noto Sans" panose="020B0502040504020204" pitchFamily="34"/>
                 <a:ea typeface="Noto Sans" panose="020B0502040504020204" pitchFamily="34"/>
               </a:rPr>
-              <a:t>Change: bell button and notice alarm button at the top right (there is no difference at present), quick menu, menu icon, font size (currently too small to recognize), dark mode button (currently difficult to intuitively recognize)</a:t>
+              <a:t>Change: bell button and notice alarm button at the top right (there is no difference at present), quick menu, menu icon</a:t>
+            </a:r>
+            <a:r>
+              <a:rPr lang="en-US" altLang="ko-KR" sz="2000" dirty="0">
+                <a:solidFill>
+                  <a:srgbClr val="000000"/>
+                </a:solidFill>
+                <a:latin typeface="Noto Sans" panose="020B0502040504020204" pitchFamily="34"/>
+                <a:ea typeface="Noto Sans" panose="020B0502040504020204" pitchFamily="34"/>
+              </a:rPr>
+              <a:t>/</a:t>
+            </a:r>
+            <a:r>
+              <a:rPr lang="en-US" altLang="ko-KR" sz="2000" b="0" i="0" dirty="0">
+                <a:solidFill>
+                  <a:srgbClr val="000000"/>
+                </a:solidFill>
+                <a:effectLst/>
+                <a:latin typeface="Noto Sans" panose="020B0502040504020204" pitchFamily="34"/>
+                <a:ea typeface="Noto Sans" panose="020B0502040504020204" pitchFamily="34"/>
+              </a:rPr>
+              <a:t>font size (currently too small to recognize), dark mode button (currently difficult to intuitively recognize)</a:t>
             </a:r>
           </a:p>
           <a:p>
